--- a/EDDS Exercise 2 - presentation.pptx
+++ b/EDDS Exercise 2 - presentation.pptx
@@ -3016,46 +3016,6 @@
         </a:p>
       </dgm:t>
     </dgm:pt>
-    <dgm:pt modelId="{5AA051BB-80C1-4F41-AE12-C3477E78968F}">
-      <dgm:prSet/>
-      <dgm:spPr/>
-      <dgm:t>
-        <a:bodyPr/>
-        <a:lstStyle/>
-        <a:p>
-          <a:r>
-            <a:rPr lang="de-AT"/>
-            <a:t>We chose 2 random items</a:t>
-          </a:r>
-          <a:br>
-            <a:rPr lang="de-AT"/>
-          </a:br>
-          <a:endParaRPr lang="en-US"/>
-        </a:p>
-      </dgm:t>
-    </dgm:pt>
-    <dgm:pt modelId="{4DCD71FD-DB9E-42DE-9871-CB126389B052}" type="parTrans" cxnId="{CC740499-B4BA-448B-86DB-C338BE8FC5DD}">
-      <dgm:prSet/>
-      <dgm:spPr/>
-      <dgm:t>
-        <a:bodyPr/>
-        <a:lstStyle/>
-        <a:p>
-          <a:endParaRPr lang="en-US"/>
-        </a:p>
-      </dgm:t>
-    </dgm:pt>
-    <dgm:pt modelId="{0DCF72D9-03AE-4433-8B88-4F094B5E8835}" type="sibTrans" cxnId="{CC740499-B4BA-448B-86DB-C338BE8FC5DD}">
-      <dgm:prSet/>
-      <dgm:spPr/>
-      <dgm:t>
-        <a:bodyPr/>
-        <a:lstStyle/>
-        <a:p>
-          <a:endParaRPr lang="en-US"/>
-        </a:p>
-      </dgm:t>
-    </dgm:pt>
     <dgm:pt modelId="{7D804759-6B5E-485F-B871-045114366AAD}">
       <dgm:prSet/>
       <dgm:spPr/>
@@ -3247,7 +3207,7 @@
       <dgm:spPr/>
     </dgm:pt>
     <dgm:pt modelId="{1881FB5D-5FA8-48D6-8300-BDC60535E13B}" type="pres">
-      <dgm:prSet presAssocID="{A16B1EB3-CB60-4601-955F-CAD685FEA794}" presName="parentText" presStyleLbl="node1" presStyleIdx="0" presStyleCnt="6">
+      <dgm:prSet presAssocID="{A16B1EB3-CB60-4601-955F-CAD685FEA794}" presName="parentText" presStyleLbl="node1" presStyleIdx="0" presStyleCnt="5">
         <dgm:presLayoutVars>
           <dgm:chMax val="0"/>
           <dgm:bulletEnabled val="1"/>
@@ -3260,7 +3220,7 @@
       <dgm:spPr/>
     </dgm:pt>
     <dgm:pt modelId="{FFA76FF0-8D2A-4A68-910A-4E8582E3468F}" type="pres">
-      <dgm:prSet presAssocID="{C18BCF7E-795C-4A57-92C6-A8C7264AF8BB}" presName="parentText" presStyleLbl="node1" presStyleIdx="1" presStyleCnt="6">
+      <dgm:prSet presAssocID="{C18BCF7E-795C-4A57-92C6-A8C7264AF8BB}" presName="parentText" presStyleLbl="node1" presStyleIdx="1" presStyleCnt="5">
         <dgm:presLayoutVars>
           <dgm:chMax val="0"/>
           <dgm:bulletEnabled val="1"/>
@@ -3273,7 +3233,7 @@
       <dgm:spPr/>
     </dgm:pt>
     <dgm:pt modelId="{7C2FF4C4-8A4C-483A-88B2-B038B50770CB}" type="pres">
-      <dgm:prSet presAssocID="{3091397C-CC36-4FED-8EEA-53B1063C13B5}" presName="parentText" presStyleLbl="node1" presStyleIdx="2" presStyleCnt="6">
+      <dgm:prSet presAssocID="{3091397C-CC36-4FED-8EEA-53B1063C13B5}" presName="parentText" presStyleLbl="node1" presStyleIdx="2" presStyleCnt="5">
         <dgm:presLayoutVars>
           <dgm:chMax val="0"/>
           <dgm:bulletEnabled val="1"/>
@@ -3286,7 +3246,7 @@
       <dgm:spPr/>
     </dgm:pt>
     <dgm:pt modelId="{12432DD7-CDC5-44A9-9B6C-6632C783B3A5}" type="pres">
-      <dgm:prSet presAssocID="{1387DD2C-098D-4AE9-9899-78DDDCCC809F}" presName="parentText" presStyleLbl="node1" presStyleIdx="3" presStyleCnt="6">
+      <dgm:prSet presAssocID="{1387DD2C-098D-4AE9-9899-78DDDCCC809F}" presName="parentText" presStyleLbl="node1" presStyleIdx="3" presStyleCnt="5">
         <dgm:presLayoutVars>
           <dgm:chMax val="0"/>
           <dgm:bulletEnabled val="1"/>
@@ -3298,21 +3258,8 @@
       <dgm:prSet presAssocID="{D8754FB6-B836-41AD-A58B-5AD1363BC588}" presName="spacer" presStyleCnt="0"/>
       <dgm:spPr/>
     </dgm:pt>
-    <dgm:pt modelId="{8662F94E-64B0-4C37-8DE7-23574DD5E6B4}" type="pres">
-      <dgm:prSet presAssocID="{5AA051BB-80C1-4F41-AE12-C3477E78968F}" presName="parentText" presStyleLbl="node1" presStyleIdx="4" presStyleCnt="6">
-        <dgm:presLayoutVars>
-          <dgm:chMax val="0"/>
-          <dgm:bulletEnabled val="1"/>
-        </dgm:presLayoutVars>
-      </dgm:prSet>
-      <dgm:spPr/>
-    </dgm:pt>
-    <dgm:pt modelId="{54B528CE-CC43-407C-B2E2-E4C39EBC7370}" type="pres">
-      <dgm:prSet presAssocID="{0DCF72D9-03AE-4433-8B88-4F094B5E8835}" presName="spacer" presStyleCnt="0"/>
-      <dgm:spPr/>
-    </dgm:pt>
     <dgm:pt modelId="{3839151D-EDBF-42CF-96E4-386C1A9CE07F}" type="pres">
-      <dgm:prSet presAssocID="{7D804759-6B5E-485F-B871-045114366AAD}" presName="parentText" presStyleLbl="node1" presStyleIdx="5" presStyleCnt="6">
+      <dgm:prSet presAssocID="{7D804759-6B5E-485F-B871-045114366AAD}" presName="parentText" presStyleLbl="node1" presStyleIdx="4" presStyleCnt="5">
         <dgm:presLayoutVars>
           <dgm:chMax val="0"/>
           <dgm:bulletEnabled val="1"/>
@@ -3322,14 +3269,12 @@
     </dgm:pt>
   </dgm:ptLst>
   <dgm:cxnLst>
-    <dgm:cxn modelId="{62E47429-70B6-465F-BC55-27B0EEE3EAE8}" type="presOf" srcId="{5AA051BB-80C1-4F41-AE12-C3477E78968F}" destId="{8662F94E-64B0-4C37-8DE7-23574DD5E6B4}" srcOrd="0" destOrd="0" presId="urn:microsoft.com/office/officeart/2005/8/layout/vList2"/>
     <dgm:cxn modelId="{AC50886A-D95C-44E4-8BDB-32B3520FDFF1}" type="presOf" srcId="{7D804759-6B5E-485F-B871-045114366AAD}" destId="{3839151D-EDBF-42CF-96E4-386C1A9CE07F}" srcOrd="0" destOrd="0" presId="urn:microsoft.com/office/officeart/2005/8/layout/vList2"/>
     <dgm:cxn modelId="{5575EC6C-860A-4C8B-BF49-6BCC9ED8D48C}" srcId="{03D6C046-C4AC-4431-A3D3-EE6F7F5ACCEE}" destId="{1387DD2C-098D-4AE9-9899-78DDDCCC809F}" srcOrd="3" destOrd="0" parTransId="{DD443549-BD31-4190-AD6C-E195E10AA13B}" sibTransId="{D8754FB6-B836-41AD-A58B-5AD1363BC588}"/>
     <dgm:cxn modelId="{3EF3606E-835A-405B-AE8E-796E3D3BE95C}" type="presOf" srcId="{1387DD2C-098D-4AE9-9899-78DDDCCC809F}" destId="{12432DD7-CDC5-44A9-9B6C-6632C783B3A5}" srcOrd="0" destOrd="0" presId="urn:microsoft.com/office/officeart/2005/8/layout/vList2"/>
     <dgm:cxn modelId="{7578AD6E-EEDF-406A-8E62-5E95760A185A}" type="presOf" srcId="{C18BCF7E-795C-4A57-92C6-A8C7264AF8BB}" destId="{FFA76FF0-8D2A-4A68-910A-4E8582E3468F}" srcOrd="0" destOrd="0" presId="urn:microsoft.com/office/officeart/2005/8/layout/vList2"/>
-    <dgm:cxn modelId="{2CF25455-7978-420F-8D00-4D28362DC334}" srcId="{03D6C046-C4AC-4431-A3D3-EE6F7F5ACCEE}" destId="{7D804759-6B5E-485F-B871-045114366AAD}" srcOrd="5" destOrd="0" parTransId="{FB930D33-3F3A-42F2-BA10-D0561C3E9CC5}" sibTransId="{1D23E07C-1F91-471D-9258-1F2E14D7ADDC}"/>
+    <dgm:cxn modelId="{2CF25455-7978-420F-8D00-4D28362DC334}" srcId="{03D6C046-C4AC-4431-A3D3-EE6F7F5ACCEE}" destId="{7D804759-6B5E-485F-B871-045114366AAD}" srcOrd="4" destOrd="0" parTransId="{FB930D33-3F3A-42F2-BA10-D0561C3E9CC5}" sibTransId="{1D23E07C-1F91-471D-9258-1F2E14D7ADDC}"/>
     <dgm:cxn modelId="{2639F581-CAB2-4196-B5A1-49B2E9BD1DDF}" srcId="{03D6C046-C4AC-4431-A3D3-EE6F7F5ACCEE}" destId="{3091397C-CC36-4FED-8EEA-53B1063C13B5}" srcOrd="2" destOrd="0" parTransId="{59CBA2B1-59B4-48E7-8C64-00A472030179}" sibTransId="{961ECDB3-DC0D-4437-955D-8E4569B9F5CF}"/>
-    <dgm:cxn modelId="{CC740499-B4BA-448B-86DB-C338BE8FC5DD}" srcId="{03D6C046-C4AC-4431-A3D3-EE6F7F5ACCEE}" destId="{5AA051BB-80C1-4F41-AE12-C3477E78968F}" srcOrd="4" destOrd="0" parTransId="{4DCD71FD-DB9E-42DE-9871-CB126389B052}" sibTransId="{0DCF72D9-03AE-4433-8B88-4F094B5E8835}"/>
     <dgm:cxn modelId="{849577AA-94DB-40C5-A89E-683DCF251C48}" type="presOf" srcId="{03D6C046-C4AC-4431-A3D3-EE6F7F5ACCEE}" destId="{86BCB891-2F2C-43F5-9153-D4B14D23F4AA}" srcOrd="0" destOrd="0" presId="urn:microsoft.com/office/officeart/2005/8/layout/vList2"/>
     <dgm:cxn modelId="{95EB8FAC-1886-4FEB-9F7D-7208FA9ED1C8}" srcId="{03D6C046-C4AC-4431-A3D3-EE6F7F5ACCEE}" destId="{C18BCF7E-795C-4A57-92C6-A8C7264AF8BB}" srcOrd="1" destOrd="0" parTransId="{DFAF8615-A94D-4719-B897-F6CF0C35FD56}" sibTransId="{7494778A-8A63-4DB8-BC2B-920383661C80}"/>
     <dgm:cxn modelId="{3C90FAB4-082A-40BA-9FB8-5612B992C265}" type="presOf" srcId="{3091397C-CC36-4FED-8EEA-53B1063C13B5}" destId="{7C2FF4C4-8A4C-483A-88B2-B038B50770CB}" srcOrd="0" destOrd="0" presId="urn:microsoft.com/office/officeart/2005/8/layout/vList2"/>
@@ -3343,9 +3288,7 @@
     <dgm:cxn modelId="{12CF23CA-927B-4DAC-8599-29C7C7E55B2F}" type="presParOf" srcId="{86BCB891-2F2C-43F5-9153-D4B14D23F4AA}" destId="{BD1DD767-0317-48DB-8C5B-78E13682FEE7}" srcOrd="5" destOrd="0" presId="urn:microsoft.com/office/officeart/2005/8/layout/vList2"/>
     <dgm:cxn modelId="{FF2F9F9F-0918-4E51-8664-0044D8F69340}" type="presParOf" srcId="{86BCB891-2F2C-43F5-9153-D4B14D23F4AA}" destId="{12432DD7-CDC5-44A9-9B6C-6632C783B3A5}" srcOrd="6" destOrd="0" presId="urn:microsoft.com/office/officeart/2005/8/layout/vList2"/>
     <dgm:cxn modelId="{67CCE9FD-5170-438A-9FC8-FF1318DCA6C8}" type="presParOf" srcId="{86BCB891-2F2C-43F5-9153-D4B14D23F4AA}" destId="{ADD29056-4E03-461A-BF7B-B5AFF9299262}" srcOrd="7" destOrd="0" presId="urn:microsoft.com/office/officeart/2005/8/layout/vList2"/>
-    <dgm:cxn modelId="{9301BD10-2D80-4C8B-804D-EAFAB91AB64B}" type="presParOf" srcId="{86BCB891-2F2C-43F5-9153-D4B14D23F4AA}" destId="{8662F94E-64B0-4C37-8DE7-23574DD5E6B4}" srcOrd="8" destOrd="0" presId="urn:microsoft.com/office/officeart/2005/8/layout/vList2"/>
-    <dgm:cxn modelId="{3287C059-D808-43B5-AC53-0327AACBC4DB}" type="presParOf" srcId="{86BCB891-2F2C-43F5-9153-D4B14D23F4AA}" destId="{54B528CE-CC43-407C-B2E2-E4C39EBC7370}" srcOrd="9" destOrd="0" presId="urn:microsoft.com/office/officeart/2005/8/layout/vList2"/>
-    <dgm:cxn modelId="{A33E2F3E-2B1A-4482-9986-15431BE2B479}" type="presParOf" srcId="{86BCB891-2F2C-43F5-9153-D4B14D23F4AA}" destId="{3839151D-EDBF-42CF-96E4-386C1A9CE07F}" srcOrd="10" destOrd="0" presId="urn:microsoft.com/office/officeart/2005/8/layout/vList2"/>
+    <dgm:cxn modelId="{A33E2F3E-2B1A-4482-9986-15431BE2B479}" type="presParOf" srcId="{86BCB891-2F2C-43F5-9153-D4B14D23F4AA}" destId="{3839151D-EDBF-42CF-96E4-386C1A9CE07F}" srcOrd="8" destOrd="0" presId="urn:microsoft.com/office/officeart/2005/8/layout/vList2"/>
   </dgm:cxnLst>
   <dgm:bg/>
   <dgm:whole/>
@@ -4250,7 +4193,7 @@
       </dsp:nvSpPr>
       <dsp:spPr>
         <a:xfrm>
-          <a:off x="0" y="265122"/>
+          <a:off x="0" y="670392"/>
           <a:ext cx="6651253" cy="755820"/>
         </a:xfrm>
         <a:prstGeom prst="roundRect">
@@ -4385,7 +4328,7 @@
         </a:p>
       </dsp:txBody>
       <dsp:txXfrm>
-        <a:off x="36896" y="302018"/>
+        <a:off x="36896" y="707288"/>
         <a:ext cx="6577461" cy="682028"/>
       </dsp:txXfrm>
     </dsp:sp>
@@ -4396,7 +4339,7 @@
       </dsp:nvSpPr>
       <dsp:spPr>
         <a:xfrm>
-          <a:off x="0" y="1075662"/>
+          <a:off x="0" y="1480932"/>
           <a:ext cx="6651253" cy="755820"/>
         </a:xfrm>
         <a:prstGeom prst="roundRect">
@@ -4404,9 +4347,9 @@
         </a:prstGeom>
         <a:solidFill>
           <a:schemeClr val="accent2">
-            <a:hueOff val="1288723"/>
-            <a:satOff val="-3699"/>
-            <a:lumOff val="-5922"/>
+            <a:hueOff val="1610903"/>
+            <a:satOff val="-4623"/>
+            <a:lumOff val="-7402"/>
             <a:alphaOff val="0"/>
           </a:schemeClr>
         </a:solidFill>
@@ -4527,7 +4470,7 @@
         </a:p>
       </dsp:txBody>
       <dsp:txXfrm>
-        <a:off x="36896" y="1112558"/>
+        <a:off x="36896" y="1517828"/>
         <a:ext cx="6577461" cy="682028"/>
       </dsp:txXfrm>
     </dsp:sp>
@@ -4538,7 +4481,7 @@
       </dsp:nvSpPr>
       <dsp:spPr>
         <a:xfrm>
-          <a:off x="0" y="1886202"/>
+          <a:off x="0" y="2291472"/>
           <a:ext cx="6651253" cy="755820"/>
         </a:xfrm>
         <a:prstGeom prst="roundRect">
@@ -4546,9 +4489,9 @@
         </a:prstGeom>
         <a:solidFill>
           <a:schemeClr val="accent2">
-            <a:hueOff val="2577445"/>
-            <a:satOff val="-7397"/>
-            <a:lumOff val="-11844"/>
+            <a:hueOff val="3221807"/>
+            <a:satOff val="-9246"/>
+            <a:lumOff val="-14805"/>
             <a:alphaOff val="0"/>
           </a:schemeClr>
         </a:solidFill>
@@ -4669,7 +4612,7 @@
         </a:p>
       </dsp:txBody>
       <dsp:txXfrm>
-        <a:off x="36896" y="1923098"/>
+        <a:off x="36896" y="2328368"/>
         <a:ext cx="6577461" cy="682028"/>
       </dsp:txXfrm>
     </dsp:sp>
@@ -4680,7 +4623,7 @@
       </dsp:nvSpPr>
       <dsp:spPr>
         <a:xfrm>
-          <a:off x="0" y="2696742"/>
+          <a:off x="0" y="3102012"/>
           <a:ext cx="6651253" cy="755820"/>
         </a:xfrm>
         <a:prstGeom prst="roundRect">
@@ -4688,9 +4631,9 @@
         </a:prstGeom>
         <a:solidFill>
           <a:schemeClr val="accent2">
-            <a:hueOff val="3866169"/>
-            <a:satOff val="-11096"/>
-            <a:lumOff val="-17765"/>
+            <a:hueOff val="4832710"/>
+            <a:satOff val="-13870"/>
+            <a:lumOff val="-22207"/>
             <a:alphaOff val="0"/>
           </a:schemeClr>
         </a:solidFill>
@@ -4807,89 +4750,7 @@
         </a:p>
       </dsp:txBody>
       <dsp:txXfrm>
-        <a:off x="36896" y="2733638"/>
-        <a:ext cx="6577461" cy="682028"/>
-      </dsp:txXfrm>
-    </dsp:sp>
-    <dsp:sp modelId="{8662F94E-64B0-4C37-8DE7-23574DD5E6B4}">
-      <dsp:nvSpPr>
-        <dsp:cNvPr id="0" name=""/>
-        <dsp:cNvSpPr/>
-      </dsp:nvSpPr>
-      <dsp:spPr>
-        <a:xfrm>
-          <a:off x="0" y="3507282"/>
-          <a:ext cx="6651253" cy="755820"/>
-        </a:xfrm>
-        <a:prstGeom prst="roundRect">
-          <a:avLst/>
-        </a:prstGeom>
-        <a:solidFill>
-          <a:schemeClr val="accent2">
-            <a:hueOff val="5154891"/>
-            <a:satOff val="-14794"/>
-            <a:lumOff val="-23687"/>
-            <a:alphaOff val="0"/>
-          </a:schemeClr>
-        </a:solidFill>
-        <a:ln w="19050" cap="flat" cmpd="sng" algn="ctr">
-          <a:solidFill>
-            <a:schemeClr val="lt1">
-              <a:hueOff val="0"/>
-              <a:satOff val="0"/>
-              <a:lumOff val="0"/>
-              <a:alphaOff val="0"/>
-            </a:schemeClr>
-          </a:solidFill>
-          <a:prstDash val="solid"/>
-          <a:miter lim="800000"/>
-        </a:ln>
-        <a:effectLst/>
-      </dsp:spPr>
-      <dsp:style>
-        <a:lnRef idx="2">
-          <a:scrgbClr r="0" g="0" b="0"/>
-        </a:lnRef>
-        <a:fillRef idx="1">
-          <a:scrgbClr r="0" g="0" b="0"/>
-        </a:fillRef>
-        <a:effectRef idx="0">
-          <a:scrgbClr r="0" g="0" b="0"/>
-        </a:effectRef>
-        <a:fontRef idx="minor">
-          <a:schemeClr val="lt1"/>
-        </a:fontRef>
-      </dsp:style>
-      <dsp:txBody>
-        <a:bodyPr spcFirstLastPara="0" vert="horz" wrap="square" lIns="72390" tIns="72390" rIns="72390" bIns="72390" numCol="1" spcCol="1270" anchor="ctr" anchorCtr="0">
-          <a:noAutofit/>
-        </a:bodyPr>
-        <a:lstStyle/>
-        <a:p>
-          <a:pPr marL="0" lvl="0" indent="0" algn="l" defTabSz="844550">
-            <a:lnSpc>
-              <a:spcPct val="90000"/>
-            </a:lnSpc>
-            <a:spcBef>
-              <a:spcPct val="0"/>
-            </a:spcBef>
-            <a:spcAft>
-              <a:spcPct val="35000"/>
-            </a:spcAft>
-            <a:buNone/>
-          </a:pPr>
-          <a:r>
-            <a:rPr lang="de-AT" sz="1900" kern="1200"/>
-            <a:t>We chose 2 random items</a:t>
-          </a:r>
-          <a:br>
-            <a:rPr lang="de-AT" sz="1900" kern="1200"/>
-          </a:br>
-          <a:endParaRPr lang="en-US" sz="1900" kern="1200"/>
-        </a:p>
-      </dsp:txBody>
-      <dsp:txXfrm>
-        <a:off x="36896" y="3544178"/>
+        <a:off x="36896" y="3138908"/>
         <a:ext cx="6577461" cy="682028"/>
       </dsp:txXfrm>
     </dsp:sp>
@@ -4900,7 +4761,7 @@
       </dsp:nvSpPr>
       <dsp:spPr>
         <a:xfrm>
-          <a:off x="0" y="4317822"/>
+          <a:off x="0" y="3912552"/>
           <a:ext cx="6651253" cy="755820"/>
         </a:xfrm>
         <a:prstGeom prst="roundRect">
@@ -5112,7 +4973,7 @@
         </a:p>
       </dsp:txBody>
       <dsp:txXfrm>
-        <a:off x="36896" y="4354718"/>
+        <a:off x="36896" y="3949448"/>
         <a:ext cx="6577461" cy="682028"/>
       </dsp:txXfrm>
     </dsp:sp>
@@ -14498,19 +14359,8 @@
           <a:p>
             <a:pPr algn="l"/>
             <a:r>
-              <a:rPr lang="en-US" sz="2000" dirty="0"/>
-              <a:t>Iqbal Afshan, Christian Fuss,  Julia Kraus, Muhammad Mohsin Yasin, Zeke Gabor</a:t>
-            </a:r>
-          </a:p>
-          <a:p>
-            <a:pPr algn="l"/>
-            <a:endParaRPr lang="en-US" sz="2000" dirty="0"/>
-          </a:p>
-          <a:p>
-            <a:pPr algn="l"/>
-            <a:r>
               <a:rPr lang="en-US" sz="2800" dirty="0"/>
-              <a:t>Paper 10:</a:t>
+              <a:t>Group 36/ Paper 10:</a:t>
             </a:r>
             <a:br>
               <a:rPr lang="en-US" sz="2800" dirty="0"/>
@@ -14542,6 +14392,49 @@
               <a:rPr lang="en-US" sz="2000" dirty="0"/>
               <a:t>09.01.2025</a:t>
             </a:r>
+          </a:p>
+          <a:p>
+            <a:pPr algn="l"/>
+            <a:endParaRPr lang="en-US" sz="2000" dirty="0"/>
+          </a:p>
+          <a:p>
+            <a:pPr algn="l"/>
+            <a:r>
+              <a:rPr lang="en-US" sz="2000" dirty="0"/>
+              <a:t>Iqbal Afshan, 12409757</a:t>
+            </a:r>
+            <a:br>
+              <a:rPr lang="en-US" sz="2000" dirty="0"/>
+            </a:br>
+            <a:r>
+              <a:rPr lang="en-US" sz="2000" dirty="0"/>
+              <a:t>Christian Fuss, 09226289</a:t>
+            </a:r>
+            <a:br>
+              <a:rPr lang="en-US" sz="2000" dirty="0"/>
+            </a:br>
+            <a:r>
+              <a:rPr lang="en-US" sz="2000" dirty="0"/>
+              <a:t>Julia Kraus, 01327036</a:t>
+            </a:r>
+            <a:br>
+              <a:rPr lang="en-US" sz="2000" dirty="0"/>
+            </a:br>
+            <a:r>
+              <a:rPr lang="en-US" sz="2000" dirty="0"/>
+              <a:t>Muhammad Mohsin Yasin, 12345037</a:t>
+            </a:r>
+            <a:br>
+              <a:rPr lang="en-US" sz="2000" dirty="0"/>
+            </a:br>
+            <a:r>
+              <a:rPr lang="en-US" sz="2000" dirty="0"/>
+              <a:t>Gabor Zeke, 12427550</a:t>
+            </a:r>
+          </a:p>
+          <a:p>
+            <a:pPr algn="l"/>
+            <a:endParaRPr lang="en-US" sz="2000" dirty="0"/>
           </a:p>
           <a:p>
             <a:pPr algn="l"/>
@@ -17142,7 +17035,7 @@
             <p:ph idx="1"/>
             <p:extLst>
               <p:ext uri="{D42A27DB-BD31-4B8C-83A1-F6EECF244321}">
-                <p14:modId xmlns:p14="http://schemas.microsoft.com/office/powerpoint/2010/main" val="2409596193"/>
+                <p14:modId xmlns:p14="http://schemas.microsoft.com/office/powerpoint/2010/main" val="1266790412"/>
               </p:ext>
             </p:extLst>
           </p:nvPr>
@@ -17392,55 +17285,6 @@
                                     <p:set>
                                       <p:cBhvr>
                                         <p:cTn id="22" dur="1" fill="hold">
-                                          <p:stCondLst>
-                                            <p:cond delay="0"/>
-                                          </p:stCondLst>
-                                        </p:cTn>
-                                        <p:tgtEl>
-                                          <p:spTgt spid="32">
-                                            <p:graphicEl>
-                                              <a:dgm id="{8662F94E-64B0-4C37-8DE7-23574DD5E6B4}"/>
-                                            </p:graphicEl>
-                                          </p:spTgt>
-                                        </p:tgtEl>
-                                        <p:attrNameLst>
-                                          <p:attrName>style.visibility</p:attrName>
-                                        </p:attrNameLst>
-                                      </p:cBhvr>
-                                      <p:to>
-                                        <p:strVal val="visible"/>
-                                      </p:to>
-                                    </p:set>
-                                  </p:childTnLst>
-                                </p:cTn>
-                              </p:par>
-                            </p:childTnLst>
-                          </p:cTn>
-                        </p:par>
-                      </p:childTnLst>
-                    </p:cTn>
-                  </p:par>
-                  <p:par>
-                    <p:cTn id="23" fill="hold">
-                      <p:stCondLst>
-                        <p:cond delay="indefinite"/>
-                      </p:stCondLst>
-                      <p:childTnLst>
-                        <p:par>
-                          <p:cTn id="24" fill="hold">
-                            <p:stCondLst>
-                              <p:cond delay="0"/>
-                            </p:stCondLst>
-                            <p:childTnLst>
-                              <p:par>
-                                <p:cTn id="25" presetID="1" presetClass="entr" presetSubtype="0" fill="hold" grpId="0" nodeType="clickEffect">
-                                  <p:stCondLst>
-                                    <p:cond delay="0"/>
-                                  </p:stCondLst>
-                                  <p:childTnLst>
-                                    <p:set>
-                                      <p:cBhvr>
-                                        <p:cTn id="26" dur="1" fill="hold">
                                           <p:stCondLst>
                                             <p:cond delay="0"/>
                                           </p:stCondLst>
@@ -23075,12 +22919,8 @@
           <a:lstStyle/>
           <a:p>
             <a:r>
-              <a:rPr lang="de-AT" dirty="0" err="1"/>
-              <a:t>problems</a:t>
-            </a:r>
-            <a:r>
               <a:rPr lang="de-AT" dirty="0"/>
-              <a:t> </a:t>
+              <a:t>Problems </a:t>
             </a:r>
             <a:r>
               <a:rPr lang="de-AT" dirty="0" err="1"/>
